--- a/Aluno.pptx
+++ b/Aluno.pptx
@@ -17,8 +17,9 @@
     <p:sldId id="268" r:id="rId11"/>
     <p:sldId id="267" r:id="rId12"/>
     <p:sldId id="270" r:id="rId13"/>
-    <p:sldId id="271" r:id="rId14"/>
-    <p:sldId id="262" r:id="rId15"/>
+    <p:sldId id="272" r:id="rId14"/>
+    <p:sldId id="271" r:id="rId15"/>
+    <p:sldId id="262" r:id="rId16"/>
   </p:sldIdLst>
   <p:sldSz cx="12192000" cy="6858000"/>
   <p:notesSz cx="6858000" cy="9144000"/>
@@ -842,7 +843,7 @@
           <a:p>
             <a:fld id="{E82DCC1C-6200-4366-B005-39DA0745DABE}" type="datetimeFigureOut">
               <a:rPr lang="pt-BR" smtClean="0"/>
-              <a:t>24/10/2016</a:t>
+              <a:t>26/10/2016</a:t>
             </a:fld>
             <a:endParaRPr lang="pt-BR"/>
           </a:p>
@@ -1093,7 +1094,7 @@
           <a:p>
             <a:fld id="{E82DCC1C-6200-4366-B005-39DA0745DABE}" type="datetimeFigureOut">
               <a:rPr lang="pt-BR" smtClean="0"/>
-              <a:t>24/10/2016</a:t>
+              <a:t>26/10/2016</a:t>
             </a:fld>
             <a:endParaRPr lang="pt-BR"/>
           </a:p>
@@ -1407,7 +1408,7 @@
           <a:p>
             <a:fld id="{E82DCC1C-6200-4366-B005-39DA0745DABE}" type="datetimeFigureOut">
               <a:rPr lang="pt-BR" smtClean="0"/>
-              <a:t>24/10/2016</a:t>
+              <a:t>26/10/2016</a:t>
             </a:fld>
             <a:endParaRPr lang="pt-BR"/>
           </a:p>
@@ -1748,7 +1749,7 @@
           <a:p>
             <a:fld id="{E82DCC1C-6200-4366-B005-39DA0745DABE}" type="datetimeFigureOut">
               <a:rPr lang="pt-BR" smtClean="0"/>
-              <a:t>24/10/2016</a:t>
+              <a:t>26/10/2016</a:t>
             </a:fld>
             <a:endParaRPr lang="pt-BR"/>
           </a:p>
@@ -2062,7 +2063,7 @@
           <a:p>
             <a:fld id="{E82DCC1C-6200-4366-B005-39DA0745DABE}" type="datetimeFigureOut">
               <a:rPr lang="pt-BR" smtClean="0"/>
-              <a:t>24/10/2016</a:t>
+              <a:t>26/10/2016</a:t>
             </a:fld>
             <a:endParaRPr lang="pt-BR"/>
           </a:p>
@@ -2455,7 +2456,7 @@
           <a:p>
             <a:fld id="{E82DCC1C-6200-4366-B005-39DA0745DABE}" type="datetimeFigureOut">
               <a:rPr lang="pt-BR" smtClean="0"/>
-              <a:t>24/10/2016</a:t>
+              <a:t>26/10/2016</a:t>
             </a:fld>
             <a:endParaRPr lang="pt-BR"/>
           </a:p>
@@ -2625,7 +2626,7 @@
           <a:p>
             <a:fld id="{E82DCC1C-6200-4366-B005-39DA0745DABE}" type="datetimeFigureOut">
               <a:rPr lang="pt-BR" smtClean="0"/>
-              <a:t>24/10/2016</a:t>
+              <a:t>26/10/2016</a:t>
             </a:fld>
             <a:endParaRPr lang="pt-BR"/>
           </a:p>
@@ -2805,7 +2806,7 @@
           <a:p>
             <a:fld id="{E82DCC1C-6200-4366-B005-39DA0745DABE}" type="datetimeFigureOut">
               <a:rPr lang="pt-BR" smtClean="0"/>
-              <a:t>24/10/2016</a:t>
+              <a:t>26/10/2016</a:t>
             </a:fld>
             <a:endParaRPr lang="pt-BR"/>
           </a:p>
@@ -2981,7 +2982,7 @@
           <a:p>
             <a:fld id="{E82DCC1C-6200-4366-B005-39DA0745DABE}" type="datetimeFigureOut">
               <a:rPr lang="pt-BR" smtClean="0"/>
-              <a:t>24/10/2016</a:t>
+              <a:t>26/10/2016</a:t>
             </a:fld>
             <a:endParaRPr lang="pt-BR"/>
           </a:p>
@@ -3228,7 +3229,7 @@
           <a:p>
             <a:fld id="{E82DCC1C-6200-4366-B005-39DA0745DABE}" type="datetimeFigureOut">
               <a:rPr lang="pt-BR" smtClean="0"/>
-              <a:t>24/10/2016</a:t>
+              <a:t>26/10/2016</a:t>
             </a:fld>
             <a:endParaRPr lang="pt-BR"/>
           </a:p>
@@ -3460,7 +3461,7 @@
           <a:p>
             <a:fld id="{E82DCC1C-6200-4366-B005-39DA0745DABE}" type="datetimeFigureOut">
               <a:rPr lang="pt-BR" smtClean="0"/>
-              <a:t>24/10/2016</a:t>
+              <a:t>26/10/2016</a:t>
             </a:fld>
             <a:endParaRPr lang="pt-BR"/>
           </a:p>
@@ -3834,7 +3835,7 @@
           <a:p>
             <a:fld id="{E82DCC1C-6200-4366-B005-39DA0745DABE}" type="datetimeFigureOut">
               <a:rPr lang="pt-BR" smtClean="0"/>
-              <a:t>24/10/2016</a:t>
+              <a:t>26/10/2016</a:t>
             </a:fld>
             <a:endParaRPr lang="pt-BR"/>
           </a:p>
@@ -3957,7 +3958,7 @@
           <a:p>
             <a:fld id="{E82DCC1C-6200-4366-B005-39DA0745DABE}" type="datetimeFigureOut">
               <a:rPr lang="pt-BR" smtClean="0"/>
-              <a:t>24/10/2016</a:t>
+              <a:t>26/10/2016</a:t>
             </a:fld>
             <a:endParaRPr lang="pt-BR"/>
           </a:p>
@@ -4052,7 +4053,7 @@
           <a:p>
             <a:fld id="{E82DCC1C-6200-4366-B005-39DA0745DABE}" type="datetimeFigureOut">
               <a:rPr lang="pt-BR" smtClean="0"/>
-              <a:t>24/10/2016</a:t>
+              <a:t>26/10/2016</a:t>
             </a:fld>
             <a:endParaRPr lang="pt-BR"/>
           </a:p>
@@ -4307,7 +4308,7 @@
           <a:p>
             <a:fld id="{E82DCC1C-6200-4366-B005-39DA0745DABE}" type="datetimeFigureOut">
               <a:rPr lang="pt-BR" smtClean="0"/>
-              <a:t>24/10/2016</a:t>
+              <a:t>26/10/2016</a:t>
             </a:fld>
             <a:endParaRPr lang="pt-BR"/>
           </a:p>
@@ -4570,7 +4571,7 @@
           <a:p>
             <a:fld id="{E82DCC1C-6200-4366-B005-39DA0745DABE}" type="datetimeFigureOut">
               <a:rPr lang="pt-BR" smtClean="0"/>
-              <a:t>24/10/2016</a:t>
+              <a:t>26/10/2016</a:t>
             </a:fld>
             <a:endParaRPr lang="pt-BR"/>
           </a:p>
@@ -5313,7 +5314,7 @@
           <a:p>
             <a:fld id="{E82DCC1C-6200-4366-B005-39DA0745DABE}" type="datetimeFigureOut">
               <a:rPr lang="pt-BR" smtClean="0"/>
-              <a:t>24/10/2016</a:t>
+              <a:t>26/10/2016</a:t>
             </a:fld>
             <a:endParaRPr lang="pt-BR"/>
           </a:p>
@@ -6156,7 +6157,7 @@
       </p:sp>
       <p:pic>
         <p:nvPicPr>
-          <p:cNvPr id="4" name="Espaço Reservado para Conteúdo 3"/>
+          <p:cNvPr id="5" name="Espaço Reservado para Conteúdo 4"/>
           <p:cNvPicPr>
             <a:picLocks noGrp="1" noChangeAspect="1"/>
           </p:cNvPicPr>
@@ -6178,8 +6179,8 @@
         </p:blipFill>
         <p:spPr>
           <a:xfrm>
-            <a:off x="1455312" y="1745545"/>
-            <a:ext cx="7366716" cy="3810000"/>
+            <a:off x="1507547" y="1489628"/>
+            <a:ext cx="7413715" cy="4353105"/>
           </a:xfrm>
         </p:spPr>
       </p:pic>
@@ -6220,6 +6221,89 @@
           <a:chExt cx="0" cy="0"/>
         </a:xfrm>
       </p:grpSpPr>
+      <p:sp>
+        <p:nvSpPr>
+          <p:cNvPr id="2" name="Título 1"/>
+          <p:cNvSpPr>
+            <a:spLocks noGrp="1"/>
+          </p:cNvSpPr>
+          <p:nvPr>
+            <p:ph type="title"/>
+          </p:nvPr>
+        </p:nvSpPr>
+        <p:spPr/>
+        <p:txBody>
+          <a:bodyPr/>
+          <a:lstStyle/>
+          <a:p>
+            <a:pPr algn="ctr"/>
+            <a:r>
+              <a:rPr lang="pt-BR" dirty="0" smtClean="0"/>
+              <a:t>Tela de pesquisa da Ata</a:t>
+            </a:r>
+            <a:endParaRPr lang="pt-BR" dirty="0"/>
+          </a:p>
+        </p:txBody>
+      </p:sp>
+      <p:pic>
+        <p:nvPicPr>
+          <p:cNvPr id="4" name="Espaço Reservado para Conteúdo 3"/>
+          <p:cNvPicPr>
+            <a:picLocks noGrp="1" noChangeAspect="1"/>
+          </p:cNvPicPr>
+          <p:nvPr>
+            <p:ph idx="1"/>
+          </p:nvPr>
+        </p:nvPicPr>
+        <p:blipFill>
+          <a:blip r:embed="rId2">
+            <a:extLst>
+              <a:ext uri="{28A0092B-C50C-407E-A947-70E740481C1C}">
+                <a14:useLocalDpi xmlns:a14="http://schemas.microsoft.com/office/drawing/2010/main" val="0"/>
+              </a:ext>
+            </a:extLst>
+          </a:blip>
+          <a:stretch>
+            <a:fillRect/>
+          </a:stretch>
+        </p:blipFill>
+        <p:spPr>
+          <a:xfrm>
+            <a:off x="1383322" y="2012754"/>
+            <a:ext cx="7338647" cy="3900136"/>
+          </a:xfrm>
+        </p:spPr>
+      </p:pic>
+    </p:spTree>
+    <p:extLst>
+      <p:ext uri="{BB962C8B-B14F-4D97-AF65-F5344CB8AC3E}">
+        <p14:creationId xmlns:p14="http://schemas.microsoft.com/office/powerpoint/2010/main" val="2098246454"/>
+      </p:ext>
+    </p:extLst>
+  </p:cSld>
+  <p:clrMapOvr>
+    <a:masterClrMapping/>
+  </p:clrMapOvr>
+</p:sld>
+</file>
+
+<file path=ppt/slides/slide14.xml><?xml version="1.0" encoding="utf-8"?>
+<p:sld xmlns:a="http://schemas.openxmlformats.org/drawingml/2006/main" xmlns:r="http://schemas.openxmlformats.org/officeDocument/2006/relationships" xmlns:p="http://schemas.openxmlformats.org/presentationml/2006/main">
+  <p:cSld>
+    <p:spTree>
+      <p:nvGrpSpPr>
+        <p:cNvPr id="1" name=""/>
+        <p:cNvGrpSpPr/>
+        <p:nvPr/>
+      </p:nvGrpSpPr>
+      <p:grpSpPr>
+        <a:xfrm>
+          <a:off x="0" y="0"/>
+          <a:ext cx="0" cy="0"/>
+          <a:chOff x="0" y="0"/>
+          <a:chExt cx="0" cy="0"/>
+        </a:xfrm>
+      </p:grpSpPr>
       <p:pic>
         <p:nvPicPr>
           <p:cNvPr id="4" name="Espaço Reservado para Conteúdo 3"/>
@@ -6262,7 +6346,7 @@
 </p:sld>
 </file>
 
-<file path=ppt/slides/slide14.xml><?xml version="1.0" encoding="utf-8"?>
+<file path=ppt/slides/slide15.xml><?xml version="1.0" encoding="utf-8"?>
 <p:sld xmlns:a="http://schemas.openxmlformats.org/drawingml/2006/main" xmlns:r="http://schemas.openxmlformats.org/officeDocument/2006/relationships" xmlns:p="http://schemas.openxmlformats.org/presentationml/2006/main">
   <p:cSld>
     <p:spTree>
@@ -6906,7 +6990,21 @@
                 <a:latin typeface="Arial" panose="020B0604020202020204" pitchFamily="34" charset="0"/>
                 <a:cs typeface="Arial" panose="020B0604020202020204" pitchFamily="34" charset="0"/>
               </a:rPr>
-              <a:t>Cadastro inteligente, relevância, confiabilidade, suporte flexível e fácil usabilidade.</a:t>
+              <a:t>Cadastro inteligente, relevância, confiabilidade, </a:t>
+            </a:r>
+            <a:r>
+              <a:rPr lang="en-US" sz="3600" dirty="0" smtClean="0">
+                <a:latin typeface="Arial" panose="020B0604020202020204" pitchFamily="34" charset="0"/>
+                <a:cs typeface="Arial" panose="020B0604020202020204" pitchFamily="34" charset="0"/>
+              </a:rPr>
+              <a:t>e </a:t>
+            </a:r>
+            <a:r>
+              <a:rPr lang="en-US" sz="3600" dirty="0" smtClean="0">
+                <a:latin typeface="Arial" panose="020B0604020202020204" pitchFamily="34" charset="0"/>
+                <a:cs typeface="Arial" panose="020B0604020202020204" pitchFamily="34" charset="0"/>
+              </a:rPr>
+              <a:t>fácil usabilidade.</a:t>
             </a:r>
             <a:endParaRPr lang="pt-BR" sz="3600" dirty="0">
               <a:latin typeface="Arial" panose="020B0604020202020204" pitchFamily="34" charset="0"/>
